--- a/Presentation.pptx
+++ b/Presentation.pptx
@@ -195,8 +195,8 @@
           <c:showBubbleSize val="0"/>
         </c:dLbls>
         <c:gapWidth val="150"/>
-        <c:axId val="50789376"/>
-        <c:axId val="113840896"/>
+        <c:axId val="127486208"/>
+        <c:axId val="127498496"/>
       </c:barChart>
       <c:lineChart>
         <c:grouping val="stacked"/>
@@ -243,11 +243,11 @@
         </c:dLbls>
         <c:marker val="1"/>
         <c:smooth val="0"/>
-        <c:axId val="113848320"/>
-        <c:axId val="113842432"/>
+        <c:axId val="127357696"/>
+        <c:axId val="180501120"/>
       </c:lineChart>
       <c:catAx>
-        <c:axId val="50789376"/>
+        <c:axId val="127486208"/>
         <c:scaling>
           <c:orientation val="minMax"/>
         </c:scaling>
@@ -256,7 +256,7 @@
         <c:majorTickMark val="out"/>
         <c:minorTickMark val="none"/>
         <c:tickLblPos val="nextTo"/>
-        <c:crossAx val="113840896"/>
+        <c:crossAx val="127498496"/>
         <c:crosses val="autoZero"/>
         <c:auto val="1"/>
         <c:lblAlgn val="ctr"/>
@@ -264,7 +264,7 @@
         <c:noMultiLvlLbl val="0"/>
       </c:catAx>
       <c:valAx>
-        <c:axId val="113840896"/>
+        <c:axId val="127498496"/>
         <c:scaling>
           <c:orientation val="minMax"/>
         </c:scaling>
@@ -274,12 +274,12 @@
         <c:majorTickMark val="out"/>
         <c:minorTickMark val="none"/>
         <c:tickLblPos val="nextTo"/>
-        <c:crossAx val="50789376"/>
+        <c:crossAx val="127486208"/>
         <c:crosses val="autoZero"/>
         <c:crossBetween val="between"/>
       </c:valAx>
       <c:valAx>
-        <c:axId val="113842432"/>
+        <c:axId val="180501120"/>
         <c:scaling>
           <c:orientation val="minMax"/>
         </c:scaling>
@@ -289,12 +289,12 @@
         <c:majorTickMark val="out"/>
         <c:minorTickMark val="none"/>
         <c:tickLblPos val="nextTo"/>
-        <c:crossAx val="113848320"/>
+        <c:crossAx val="127357696"/>
         <c:crosses val="max"/>
         <c:crossBetween val="between"/>
       </c:valAx>
       <c:catAx>
-        <c:axId val="113848320"/>
+        <c:axId val="127357696"/>
         <c:scaling>
           <c:orientation val="minMax"/>
         </c:scaling>
@@ -303,7 +303,7 @@
         <c:majorTickMark val="out"/>
         <c:minorTickMark val="none"/>
         <c:tickLblPos val="nextTo"/>
-        <c:crossAx val="113842432"/>
+        <c:crossAx val="180501120"/>
         <c:crosses val="autoZero"/>
         <c:auto val="1"/>
         <c:lblAlgn val="ctr"/>
@@ -526,7 +526,7 @@
           <a:p>
             <a:fld id="{C27078EA-5165-4742-ACBE-C8B472AD7ABA}" type="datetimeFigureOut">
               <a:rPr lang="en-US" smtClean="0"/>
-              <a:t>5/2/2015</a:t>
+              <a:t>5/3/2015</a:t>
             </a:fld>
             <a:endParaRPr lang="en-US"/>
           </a:p>
@@ -696,7 +696,7 @@
           <a:p>
             <a:fld id="{C27078EA-5165-4742-ACBE-C8B472AD7ABA}" type="datetimeFigureOut">
               <a:rPr lang="en-US" smtClean="0"/>
-              <a:t>5/2/2015</a:t>
+              <a:t>5/3/2015</a:t>
             </a:fld>
             <a:endParaRPr lang="en-US"/>
           </a:p>
@@ -876,7 +876,7 @@
           <a:p>
             <a:fld id="{C27078EA-5165-4742-ACBE-C8B472AD7ABA}" type="datetimeFigureOut">
               <a:rPr lang="en-US" smtClean="0"/>
-              <a:t>5/2/2015</a:t>
+              <a:t>5/3/2015</a:t>
             </a:fld>
             <a:endParaRPr lang="en-US"/>
           </a:p>
@@ -1046,7 +1046,7 @@
           <a:p>
             <a:fld id="{C27078EA-5165-4742-ACBE-C8B472AD7ABA}" type="datetimeFigureOut">
               <a:rPr lang="en-US" smtClean="0"/>
-              <a:t>5/2/2015</a:t>
+              <a:t>5/3/2015</a:t>
             </a:fld>
             <a:endParaRPr lang="en-US"/>
           </a:p>
@@ -1292,7 +1292,7 @@
           <a:p>
             <a:fld id="{C27078EA-5165-4742-ACBE-C8B472AD7ABA}" type="datetimeFigureOut">
               <a:rPr lang="en-US" smtClean="0"/>
-              <a:t>5/2/2015</a:t>
+              <a:t>5/3/2015</a:t>
             </a:fld>
             <a:endParaRPr lang="en-US"/>
           </a:p>
@@ -1580,7 +1580,7 @@
           <a:p>
             <a:fld id="{C27078EA-5165-4742-ACBE-C8B472AD7ABA}" type="datetimeFigureOut">
               <a:rPr lang="en-US" smtClean="0"/>
-              <a:t>5/2/2015</a:t>
+              <a:t>5/3/2015</a:t>
             </a:fld>
             <a:endParaRPr lang="en-US"/>
           </a:p>
@@ -2002,7 +2002,7 @@
           <a:p>
             <a:fld id="{C27078EA-5165-4742-ACBE-C8B472AD7ABA}" type="datetimeFigureOut">
               <a:rPr lang="en-US" smtClean="0"/>
-              <a:t>5/2/2015</a:t>
+              <a:t>5/3/2015</a:t>
             </a:fld>
             <a:endParaRPr lang="en-US"/>
           </a:p>
@@ -2120,7 +2120,7 @@
           <a:p>
             <a:fld id="{C27078EA-5165-4742-ACBE-C8B472AD7ABA}" type="datetimeFigureOut">
               <a:rPr lang="en-US" smtClean="0"/>
-              <a:t>5/2/2015</a:t>
+              <a:t>5/3/2015</a:t>
             </a:fld>
             <a:endParaRPr lang="en-US"/>
           </a:p>
@@ -2215,7 +2215,7 @@
           <a:p>
             <a:fld id="{C27078EA-5165-4742-ACBE-C8B472AD7ABA}" type="datetimeFigureOut">
               <a:rPr lang="en-US" smtClean="0"/>
-              <a:t>5/2/2015</a:t>
+              <a:t>5/3/2015</a:t>
             </a:fld>
             <a:endParaRPr lang="en-US"/>
           </a:p>
@@ -2492,7 +2492,7 @@
           <a:p>
             <a:fld id="{C27078EA-5165-4742-ACBE-C8B472AD7ABA}" type="datetimeFigureOut">
               <a:rPr lang="en-US" smtClean="0"/>
-              <a:t>5/2/2015</a:t>
+              <a:t>5/3/2015</a:t>
             </a:fld>
             <a:endParaRPr lang="en-US"/>
           </a:p>
@@ -2745,7 +2745,7 @@
           <a:p>
             <a:fld id="{C27078EA-5165-4742-ACBE-C8B472AD7ABA}" type="datetimeFigureOut">
               <a:rPr lang="en-US" smtClean="0"/>
-              <a:t>5/2/2015</a:t>
+              <a:t>5/3/2015</a:t>
             </a:fld>
             <a:endParaRPr lang="en-US"/>
           </a:p>
@@ -2958,7 +2958,7 @@
           <a:p>
             <a:fld id="{C27078EA-5165-4742-ACBE-C8B472AD7ABA}" type="datetimeFigureOut">
               <a:rPr lang="en-US" smtClean="0"/>
-              <a:t>5/2/2015</a:t>
+              <a:t>5/3/2015</a:t>
             </a:fld>
             <a:endParaRPr lang="en-US"/>
           </a:p>
@@ -4730,7 +4730,7 @@
           <a:graphicData uri="http://schemas.openxmlformats.org/presentationml/2006/ole">
             <mc:AlternateContent xmlns:mc="http://schemas.openxmlformats.org/markup-compatibility/2006">
               <mc:Choice xmlns:v="urn:schemas-microsoft-com:vml" Requires="v">
-                <p:oleObj spid="_x0000_s2058" name="Packager Shell Object" showAsIcon="1" r:id="rId4" imgW="507600" imgH="685800" progId="Package">
+                <p:oleObj spid="_x0000_s2059" name="Packager Shell Object" showAsIcon="1" r:id="rId4" imgW="507600" imgH="685800" progId="Package">
                   <p:embed/>
                 </p:oleObj>
               </mc:Choice>
@@ -6188,7 +6188,7 @@
           <a:graphicData uri="http://schemas.openxmlformats.org/presentationml/2006/ole">
             <mc:AlternateContent xmlns:mc="http://schemas.openxmlformats.org/markup-compatibility/2006">
               <mc:Choice xmlns:v="urn:schemas-microsoft-com:vml" Requires="v">
-                <p:oleObj spid="_x0000_s3095" name="Packager Shell Object" showAsIcon="1" r:id="rId4" imgW="1231200" imgH="685800" progId="Package">
+                <p:oleObj spid="_x0000_s3098" name="Packager Shell Object" showAsIcon="1" r:id="rId4" imgW="1231200" imgH="685800" progId="Package">
                   <p:embed/>
                 </p:oleObj>
               </mc:Choice>
@@ -6245,7 +6245,7 @@
           <a:graphicData uri="http://schemas.openxmlformats.org/presentationml/2006/ole">
             <mc:AlternateContent xmlns:mc="http://schemas.openxmlformats.org/markup-compatibility/2006">
               <mc:Choice xmlns:v="urn:schemas-microsoft-com:vml" Requires="v">
-                <p:oleObj spid="_x0000_s3096" name="Packager Shell Object" showAsIcon="1" r:id="rId6" imgW="825120" imgH="685800" progId="Package">
+                <p:oleObj spid="_x0000_s3099" name="Packager Shell Object" showAsIcon="1" r:id="rId6" imgW="825120" imgH="685800" progId="Package">
                   <p:embed/>
                 </p:oleObj>
               </mc:Choice>
@@ -6302,7 +6302,7 @@
           <a:graphicData uri="http://schemas.openxmlformats.org/presentationml/2006/ole">
             <mc:AlternateContent xmlns:mc="http://schemas.openxmlformats.org/markup-compatibility/2006">
               <mc:Choice xmlns:v="urn:schemas-microsoft-com:vml" Requires="v">
-                <p:oleObj spid="_x0000_s3097" name="Packager Shell Object" showAsIcon="1" r:id="rId8" imgW="786960" imgH="685800" progId="Package">
+                <p:oleObj spid="_x0000_s3100" name="Packager Shell Object" showAsIcon="1" r:id="rId8" imgW="786960" imgH="685800" progId="Package">
                   <p:embed/>
                 </p:oleObj>
               </mc:Choice>
@@ -8208,7 +8208,15 @@
             </a:r>
             <a:r>
               <a:rPr lang="en-US" dirty="0"/>
-              <a:t> at the University of Wisconsin, Madison.</a:t>
+              <a:t> at the University of Wisconsin</a:t>
+            </a:r>
+            <a:r>
+              <a:rPr lang="en-US"/>
+              <a:t>, </a:t>
+            </a:r>
+            <a:r>
+              <a:rPr lang="en-US" smtClean="0"/>
+              <a:t>Madison</a:t>
             </a:r>
             <a:endParaRPr lang="en-US" dirty="0" smtClean="0"/>
           </a:p>
@@ -14564,7 +14572,7 @@
           <a:graphicData uri="http://schemas.openxmlformats.org/presentationml/2006/ole">
             <mc:AlternateContent xmlns:mc="http://schemas.openxmlformats.org/markup-compatibility/2006">
               <mc:Choice xmlns:v="urn:schemas-microsoft-com:vml" Requires="v">
-                <p:oleObj spid="_x0000_s1034" name="Packager Shell Object" showAsIcon="1" r:id="rId3" imgW="1865880" imgH="685800" progId="Package">
+                <p:oleObj spid="_x0000_s1035" name="Packager Shell Object" showAsIcon="1" r:id="rId3" imgW="1865880" imgH="685800" progId="Package">
                   <p:embed/>
                 </p:oleObj>
               </mc:Choice>

--- a/Presentation.pptx
+++ b/Presentation.pptx
@@ -195,8 +195,8 @@
           <c:showBubbleSize val="0"/>
         </c:dLbls>
         <c:gapWidth val="150"/>
-        <c:axId val="127486208"/>
-        <c:axId val="127498496"/>
+        <c:axId val="123004800"/>
+        <c:axId val="123006336"/>
       </c:barChart>
       <c:lineChart>
         <c:grouping val="stacked"/>
@@ -243,11 +243,11 @@
         </c:dLbls>
         <c:marker val="1"/>
         <c:smooth val="0"/>
-        <c:axId val="127357696"/>
-        <c:axId val="180501120"/>
+        <c:axId val="190257792"/>
+        <c:axId val="190256256"/>
       </c:lineChart>
       <c:catAx>
-        <c:axId val="127486208"/>
+        <c:axId val="123004800"/>
         <c:scaling>
           <c:orientation val="minMax"/>
         </c:scaling>
@@ -256,7 +256,7 @@
         <c:majorTickMark val="out"/>
         <c:minorTickMark val="none"/>
         <c:tickLblPos val="nextTo"/>
-        <c:crossAx val="127498496"/>
+        <c:crossAx val="123006336"/>
         <c:crosses val="autoZero"/>
         <c:auto val="1"/>
         <c:lblAlgn val="ctr"/>
@@ -264,7 +264,7 @@
         <c:noMultiLvlLbl val="0"/>
       </c:catAx>
       <c:valAx>
-        <c:axId val="127498496"/>
+        <c:axId val="123006336"/>
         <c:scaling>
           <c:orientation val="minMax"/>
         </c:scaling>
@@ -274,12 +274,12 @@
         <c:majorTickMark val="out"/>
         <c:minorTickMark val="none"/>
         <c:tickLblPos val="nextTo"/>
-        <c:crossAx val="127486208"/>
+        <c:crossAx val="123004800"/>
         <c:crosses val="autoZero"/>
         <c:crossBetween val="between"/>
       </c:valAx>
       <c:valAx>
-        <c:axId val="180501120"/>
+        <c:axId val="190256256"/>
         <c:scaling>
           <c:orientation val="minMax"/>
         </c:scaling>
@@ -289,12 +289,12 @@
         <c:majorTickMark val="out"/>
         <c:minorTickMark val="none"/>
         <c:tickLblPos val="nextTo"/>
-        <c:crossAx val="127357696"/>
+        <c:crossAx val="190257792"/>
         <c:crosses val="max"/>
         <c:crossBetween val="between"/>
       </c:valAx>
       <c:catAx>
-        <c:axId val="127357696"/>
+        <c:axId val="190257792"/>
         <c:scaling>
           <c:orientation val="minMax"/>
         </c:scaling>
@@ -303,7 +303,7 @@
         <c:majorTickMark val="out"/>
         <c:minorTickMark val="none"/>
         <c:tickLblPos val="nextTo"/>
-        <c:crossAx val="180501120"/>
+        <c:crossAx val="190256256"/>
         <c:crosses val="autoZero"/>
         <c:auto val="1"/>
         <c:lblAlgn val="ctr"/>
@@ -4730,7 +4730,7 @@
           <a:graphicData uri="http://schemas.openxmlformats.org/presentationml/2006/ole">
             <mc:AlternateContent xmlns:mc="http://schemas.openxmlformats.org/markup-compatibility/2006">
               <mc:Choice xmlns:v="urn:schemas-microsoft-com:vml" Requires="v">
-                <p:oleObj spid="_x0000_s2059" name="Packager Shell Object" showAsIcon="1" r:id="rId4" imgW="507600" imgH="685800" progId="Package">
+                <p:oleObj spid="_x0000_s2060" name="Packager Shell Object" showAsIcon="1" r:id="rId4" imgW="507600" imgH="685800" progId="Package">
                   <p:embed/>
                 </p:oleObj>
               </mc:Choice>
@@ -6168,63 +6168,6 @@
       </p:sp>
       <p:graphicFrame>
         <p:nvGraphicFramePr>
-          <p:cNvPr id="3" name="Object 2"/>
-          <p:cNvGraphicFramePr>
-            <a:graphicFrameLocks noChangeAspect="1"/>
-          </p:cNvGraphicFramePr>
-          <p:nvPr>
-            <p:extLst>
-              <p:ext uri="{D42A27DB-BD31-4B8C-83A1-F6EECF244321}">
-                <p14:modId xmlns:p14="http://schemas.microsoft.com/office/powerpoint/2010/main" val="2196793452"/>
-              </p:ext>
-            </p:extLst>
-          </p:nvPr>
-        </p:nvGraphicFramePr>
-        <p:xfrm>
-          <a:off x="5334000" y="6262850"/>
-          <a:ext cx="1003300" cy="558538"/>
-        </p:xfrm>
-        <a:graphic>
-          <a:graphicData uri="http://schemas.openxmlformats.org/presentationml/2006/ole">
-            <mc:AlternateContent xmlns:mc="http://schemas.openxmlformats.org/markup-compatibility/2006">
-              <mc:Choice xmlns:v="urn:schemas-microsoft-com:vml" Requires="v">
-                <p:oleObj spid="_x0000_s3098" name="Packager Shell Object" showAsIcon="1" r:id="rId4" imgW="1231200" imgH="685800" progId="Package">
-                  <p:embed/>
-                </p:oleObj>
-              </mc:Choice>
-              <mc:Fallback>
-                <p:oleObj name="Packager Shell Object" showAsIcon="1" r:id="rId4" imgW="1231200" imgH="685800" progId="Package">
-                  <p:embed/>
-                  <p:pic>
-                    <p:nvPicPr>
-                      <p:cNvPr id="0" name=""/>
-                      <p:cNvPicPr/>
-                      <p:nvPr/>
-                    </p:nvPicPr>
-                    <p:blipFill>
-                      <a:blip r:embed="rId5"/>
-                      <a:stretch>
-                        <a:fillRect/>
-                      </a:stretch>
-                    </p:blipFill>
-                    <p:spPr>
-                      <a:xfrm>
-                        <a:off x="5334000" y="6262850"/>
-                        <a:ext cx="1003300" cy="558538"/>
-                      </a:xfrm>
-                      <a:prstGeom prst="rect">
-                        <a:avLst/>
-                      </a:prstGeom>
-                    </p:spPr>
-                  </p:pic>
-                </p:oleObj>
-              </mc:Fallback>
-            </mc:AlternateContent>
-          </a:graphicData>
-        </a:graphic>
-      </p:graphicFrame>
-      <p:graphicFrame>
-        <p:nvGraphicFramePr>
           <p:cNvPr id="4" name="Object 3"/>
           <p:cNvGraphicFramePr>
             <a:graphicFrameLocks noChangeAspect="1"/>
@@ -6245,12 +6188,12 @@
           <a:graphicData uri="http://schemas.openxmlformats.org/presentationml/2006/ole">
             <mc:AlternateContent xmlns:mc="http://schemas.openxmlformats.org/markup-compatibility/2006">
               <mc:Choice xmlns:v="urn:schemas-microsoft-com:vml" Requires="v">
-                <p:oleObj spid="_x0000_s3099" name="Packager Shell Object" showAsIcon="1" r:id="rId6" imgW="825120" imgH="685800" progId="Package">
+                <p:oleObj spid="_x0000_s3101" name="Packager Shell Object" showAsIcon="1" r:id="rId4" imgW="825120" imgH="685800" progId="Package">
                   <p:embed/>
                 </p:oleObj>
               </mc:Choice>
               <mc:Fallback>
-                <p:oleObj name="Packager Shell Object" showAsIcon="1" r:id="rId6" imgW="825120" imgH="685800" progId="Package">
+                <p:oleObj name="Packager Shell Object" showAsIcon="1" r:id="rId4" imgW="825120" imgH="685800" progId="Package">
                   <p:embed/>
                   <p:pic>
                     <p:nvPicPr>
@@ -6259,7 +6202,7 @@
                       <p:nvPr/>
                     </p:nvPicPr>
                     <p:blipFill>
-                      <a:blip r:embed="rId7"/>
+                      <a:blip r:embed="rId5"/>
                       <a:stretch>
                         <a:fillRect/>
                       </a:stretch>
@@ -6302,12 +6245,12 @@
           <a:graphicData uri="http://schemas.openxmlformats.org/presentationml/2006/ole">
             <mc:AlternateContent xmlns:mc="http://schemas.openxmlformats.org/markup-compatibility/2006">
               <mc:Choice xmlns:v="urn:schemas-microsoft-com:vml" Requires="v">
-                <p:oleObj spid="_x0000_s3100" name="Packager Shell Object" showAsIcon="1" r:id="rId8" imgW="786960" imgH="685800" progId="Package">
+                <p:oleObj spid="_x0000_s3102" name="Packager Shell Object" showAsIcon="1" r:id="rId6" imgW="786960" imgH="685800" progId="Package">
                   <p:embed/>
                 </p:oleObj>
               </mc:Choice>
               <mc:Fallback>
-                <p:oleObj name="Packager Shell Object" showAsIcon="1" r:id="rId8" imgW="786960" imgH="685800" progId="Package">
+                <p:oleObj name="Packager Shell Object" showAsIcon="1" r:id="rId6" imgW="786960" imgH="685800" progId="Package">
                   <p:embed/>
                   <p:pic>
                     <p:nvPicPr>
@@ -6316,7 +6259,7 @@
                       <p:nvPr/>
                     </p:nvPicPr>
                     <p:blipFill>
-                      <a:blip r:embed="rId9"/>
+                      <a:blip r:embed="rId7"/>
                       <a:stretch>
                         <a:fillRect/>
                       </a:stretch>
@@ -14572,7 +14515,7 @@
           <a:graphicData uri="http://schemas.openxmlformats.org/presentationml/2006/ole">
             <mc:AlternateContent xmlns:mc="http://schemas.openxmlformats.org/markup-compatibility/2006">
               <mc:Choice xmlns:v="urn:schemas-microsoft-com:vml" Requires="v">
-                <p:oleObj spid="_x0000_s1035" name="Packager Shell Object" showAsIcon="1" r:id="rId3" imgW="1865880" imgH="685800" progId="Package">
+                <p:oleObj spid="_x0000_s1036" name="Packager Shell Object" showAsIcon="1" r:id="rId3" imgW="1865880" imgH="685800" progId="Package">
                   <p:embed/>
                 </p:oleObj>
               </mc:Choice>
